--- a/meteo.pptx
+++ b/meteo.pptx
@@ -109,6 +109,11 @@
       </a:defRPr>
     </a:lvl9pPr>
   </p:defaultTextStyle>
+  <p:extLst>
+    <p:ext uri="{EFAFB233-063F-42B5-8137-9DF3F51BA10A}">
+      <p15:sldGuideLst xmlns:p15="http://schemas.microsoft.com/office/powerpoint/2012/main"/>
+    </p:ext>
+  </p:extLst>
 </p:presentation>
 </file>
 
@@ -194,7 +199,7 @@
           <a:p>
             <a:fld id="{E076EFEE-45B5-4200-8053-4BC482C57964}" type="datetimeFigureOut">
               <a:rPr kumimoji="1" lang="ja-JP" altLang="en-US" smtClean="0"/>
-              <a:t>2019/7/1</a:t>
+              <a:t>2021/7/9</a:t>
             </a:fld>
             <a:endParaRPr kumimoji="1" lang="ja-JP" altLang="en-US"/>
           </a:p>
@@ -258,70 +263,69 @@
           <a:p>
             <a:pPr lvl="0"/>
             <a:r>
-              <a:rPr kumimoji="1" lang="ja-JP" altLang="en-US" smtClean="0"/>
+              <a:rPr kumimoji="1" lang="ja-JP" altLang="en-US"/>
               <a:t>マスター テキストの書式設定</a:t>
             </a:r>
           </a:p>
           <a:p>
             <a:pPr lvl="1"/>
             <a:r>
-              <a:rPr kumimoji="1" lang="ja-JP" altLang="en-US" smtClean="0"/>
+              <a:rPr kumimoji="1" lang="ja-JP" altLang="en-US"/>
               <a:t>第 </a:t>
             </a:r>
             <a:r>
-              <a:rPr kumimoji="1" lang="en-US" altLang="ja-JP" smtClean="0"/>
+              <a:rPr kumimoji="1" lang="en-US" altLang="ja-JP"/>
               <a:t>2 </a:t>
             </a:r>
             <a:r>
-              <a:rPr kumimoji="1" lang="ja-JP" altLang="en-US" smtClean="0"/>
+              <a:rPr kumimoji="1" lang="ja-JP" altLang="en-US"/>
               <a:t>レベル</a:t>
             </a:r>
           </a:p>
           <a:p>
             <a:pPr lvl="2"/>
             <a:r>
-              <a:rPr kumimoji="1" lang="ja-JP" altLang="en-US" smtClean="0"/>
+              <a:rPr kumimoji="1" lang="ja-JP" altLang="en-US"/>
               <a:t>第 </a:t>
             </a:r>
             <a:r>
-              <a:rPr kumimoji="1" lang="en-US" altLang="ja-JP" smtClean="0"/>
+              <a:rPr kumimoji="1" lang="en-US" altLang="ja-JP"/>
               <a:t>3 </a:t>
             </a:r>
             <a:r>
-              <a:rPr kumimoji="1" lang="ja-JP" altLang="en-US" smtClean="0"/>
+              <a:rPr kumimoji="1" lang="ja-JP" altLang="en-US"/>
               <a:t>レベル</a:t>
             </a:r>
           </a:p>
           <a:p>
             <a:pPr lvl="3"/>
             <a:r>
-              <a:rPr kumimoji="1" lang="ja-JP" altLang="en-US" smtClean="0"/>
+              <a:rPr kumimoji="1" lang="ja-JP" altLang="en-US"/>
               <a:t>第 </a:t>
             </a:r>
             <a:r>
-              <a:rPr kumimoji="1" lang="en-US" altLang="ja-JP" smtClean="0"/>
+              <a:rPr kumimoji="1" lang="en-US" altLang="ja-JP"/>
               <a:t>4 </a:t>
             </a:r>
             <a:r>
-              <a:rPr kumimoji="1" lang="ja-JP" altLang="en-US" smtClean="0"/>
+              <a:rPr kumimoji="1" lang="ja-JP" altLang="en-US"/>
               <a:t>レベル</a:t>
             </a:r>
           </a:p>
           <a:p>
             <a:pPr lvl="4"/>
             <a:r>
-              <a:rPr kumimoji="1" lang="ja-JP" altLang="en-US" smtClean="0"/>
+              <a:rPr kumimoji="1" lang="ja-JP" altLang="en-US"/>
               <a:t>第 </a:t>
             </a:r>
             <a:r>
-              <a:rPr kumimoji="1" lang="en-US" altLang="ja-JP" smtClean="0"/>
+              <a:rPr kumimoji="1" lang="en-US" altLang="ja-JP"/>
               <a:t>5 </a:t>
             </a:r>
             <a:r>
-              <a:rPr kumimoji="1" lang="ja-JP" altLang="en-US" smtClean="0"/>
+              <a:rPr kumimoji="1" lang="ja-JP" altLang="en-US"/>
               <a:t>レベル</a:t>
             </a:r>
-            <a:endParaRPr kumimoji="1" lang="ja-JP" altLang="en-US"/>
           </a:p>
         </p:txBody>
       </p:sp>
@@ -536,10 +540,9 @@
           </a:lstStyle>
           <a:p>
             <a:r>
-              <a:rPr kumimoji="1" lang="ja-JP" altLang="en-US" smtClean="0"/>
+              <a:rPr kumimoji="1" lang="ja-JP" altLang="en-US"/>
               <a:t>マスター タイトルの書式設定</a:t>
             </a:r>
-            <a:endParaRPr kumimoji="1" lang="ja-JP" altLang="en-US"/>
           </a:p>
         </p:txBody>
       </p:sp>
@@ -601,10 +604,9 @@
           </a:lstStyle>
           <a:p>
             <a:r>
-              <a:rPr kumimoji="1" lang="ja-JP" altLang="en-US" smtClean="0"/>
+              <a:rPr kumimoji="1" lang="ja-JP" altLang="en-US"/>
               <a:t>マスター サブタイトルの書式設定</a:t>
             </a:r>
-            <a:endParaRPr kumimoji="1" lang="ja-JP" altLang="en-US"/>
           </a:p>
         </p:txBody>
       </p:sp>
@@ -625,7 +627,7 @@
           <a:p>
             <a:fld id="{AAFBB7D6-EB46-4AF0-A25F-04E510FCDD86}" type="datetime1">
               <a:rPr kumimoji="1" lang="ja-JP" altLang="en-US" smtClean="0"/>
-              <a:t>2019/7/1</a:t>
+              <a:t>2021/7/9</a:t>
             </a:fld>
             <a:endParaRPr kumimoji="1" lang="ja-JP" altLang="en-US"/>
           </a:p>
@@ -719,10 +721,9 @@
           <a:lstStyle/>
           <a:p>
             <a:r>
-              <a:rPr kumimoji="1" lang="ja-JP" altLang="en-US" smtClean="0"/>
+              <a:rPr kumimoji="1" lang="ja-JP" altLang="en-US"/>
               <a:t>マスター タイトルの書式設定</a:t>
             </a:r>
-            <a:endParaRPr kumimoji="1" lang="ja-JP" altLang="en-US"/>
           </a:p>
         </p:txBody>
       </p:sp>
@@ -743,70 +744,69 @@
           <a:p>
             <a:pPr lvl="0"/>
             <a:r>
-              <a:rPr kumimoji="1" lang="ja-JP" altLang="en-US" smtClean="0"/>
+              <a:rPr kumimoji="1" lang="ja-JP" altLang="en-US"/>
               <a:t>マスター テキストの書式設定</a:t>
             </a:r>
           </a:p>
           <a:p>
             <a:pPr lvl="1"/>
             <a:r>
-              <a:rPr kumimoji="1" lang="ja-JP" altLang="en-US" smtClean="0"/>
+              <a:rPr kumimoji="1" lang="ja-JP" altLang="en-US"/>
               <a:t>第 </a:t>
             </a:r>
             <a:r>
-              <a:rPr kumimoji="1" lang="en-US" altLang="ja-JP" smtClean="0"/>
+              <a:rPr kumimoji="1" lang="en-US" altLang="ja-JP"/>
               <a:t>2 </a:t>
             </a:r>
             <a:r>
-              <a:rPr kumimoji="1" lang="ja-JP" altLang="en-US" smtClean="0"/>
+              <a:rPr kumimoji="1" lang="ja-JP" altLang="en-US"/>
               <a:t>レベル</a:t>
             </a:r>
           </a:p>
           <a:p>
             <a:pPr lvl="2"/>
             <a:r>
-              <a:rPr kumimoji="1" lang="ja-JP" altLang="en-US" smtClean="0"/>
+              <a:rPr kumimoji="1" lang="ja-JP" altLang="en-US"/>
               <a:t>第 </a:t>
             </a:r>
             <a:r>
-              <a:rPr kumimoji="1" lang="en-US" altLang="ja-JP" smtClean="0"/>
+              <a:rPr kumimoji="1" lang="en-US" altLang="ja-JP"/>
               <a:t>3 </a:t>
             </a:r>
             <a:r>
-              <a:rPr kumimoji="1" lang="ja-JP" altLang="en-US" smtClean="0"/>
+              <a:rPr kumimoji="1" lang="ja-JP" altLang="en-US"/>
               <a:t>レベル</a:t>
             </a:r>
           </a:p>
           <a:p>
             <a:pPr lvl="3"/>
             <a:r>
-              <a:rPr kumimoji="1" lang="ja-JP" altLang="en-US" smtClean="0"/>
+              <a:rPr kumimoji="1" lang="ja-JP" altLang="en-US"/>
               <a:t>第 </a:t>
             </a:r>
             <a:r>
-              <a:rPr kumimoji="1" lang="en-US" altLang="ja-JP" smtClean="0"/>
+              <a:rPr kumimoji="1" lang="en-US" altLang="ja-JP"/>
               <a:t>4 </a:t>
             </a:r>
             <a:r>
-              <a:rPr kumimoji="1" lang="ja-JP" altLang="en-US" smtClean="0"/>
+              <a:rPr kumimoji="1" lang="ja-JP" altLang="en-US"/>
               <a:t>レベル</a:t>
             </a:r>
           </a:p>
           <a:p>
             <a:pPr lvl="4"/>
             <a:r>
-              <a:rPr kumimoji="1" lang="ja-JP" altLang="en-US" smtClean="0"/>
+              <a:rPr kumimoji="1" lang="ja-JP" altLang="en-US"/>
               <a:t>第 </a:t>
             </a:r>
             <a:r>
-              <a:rPr kumimoji="1" lang="en-US" altLang="ja-JP" smtClean="0"/>
+              <a:rPr kumimoji="1" lang="en-US" altLang="ja-JP"/>
               <a:t>5 </a:t>
             </a:r>
             <a:r>
-              <a:rPr kumimoji="1" lang="ja-JP" altLang="en-US" smtClean="0"/>
+              <a:rPr kumimoji="1" lang="ja-JP" altLang="en-US"/>
               <a:t>レベル</a:t>
             </a:r>
-            <a:endParaRPr kumimoji="1" lang="ja-JP" altLang="en-US"/>
           </a:p>
         </p:txBody>
       </p:sp>
@@ -827,7 +827,7 @@
           <a:p>
             <a:fld id="{1AD56938-6694-4F61-8B5B-3A766BB89553}" type="datetime1">
               <a:rPr kumimoji="1" lang="ja-JP" altLang="en-US" smtClean="0"/>
-              <a:t>2019/7/1</a:t>
+              <a:t>2021/7/9</a:t>
             </a:fld>
             <a:endParaRPr kumimoji="1" lang="ja-JP" altLang="en-US"/>
           </a:p>
@@ -926,10 +926,9 @@
           <a:lstStyle/>
           <a:p>
             <a:r>
-              <a:rPr kumimoji="1" lang="ja-JP" altLang="en-US" smtClean="0"/>
+              <a:rPr kumimoji="1" lang="ja-JP" altLang="en-US"/>
               <a:t>マスター タイトルの書式設定</a:t>
             </a:r>
-            <a:endParaRPr kumimoji="1" lang="ja-JP" altLang="en-US"/>
           </a:p>
         </p:txBody>
       </p:sp>
@@ -955,70 +954,69 @@
           <a:p>
             <a:pPr lvl="0"/>
             <a:r>
-              <a:rPr kumimoji="1" lang="ja-JP" altLang="en-US" smtClean="0"/>
+              <a:rPr kumimoji="1" lang="ja-JP" altLang="en-US"/>
               <a:t>マスター テキストの書式設定</a:t>
             </a:r>
           </a:p>
           <a:p>
             <a:pPr lvl="1"/>
             <a:r>
-              <a:rPr kumimoji="1" lang="ja-JP" altLang="en-US" smtClean="0"/>
+              <a:rPr kumimoji="1" lang="ja-JP" altLang="en-US"/>
               <a:t>第 </a:t>
             </a:r>
             <a:r>
-              <a:rPr kumimoji="1" lang="en-US" altLang="ja-JP" smtClean="0"/>
+              <a:rPr kumimoji="1" lang="en-US" altLang="ja-JP"/>
               <a:t>2 </a:t>
             </a:r>
             <a:r>
-              <a:rPr kumimoji="1" lang="ja-JP" altLang="en-US" smtClean="0"/>
+              <a:rPr kumimoji="1" lang="ja-JP" altLang="en-US"/>
               <a:t>レベル</a:t>
             </a:r>
           </a:p>
           <a:p>
             <a:pPr lvl="2"/>
             <a:r>
-              <a:rPr kumimoji="1" lang="ja-JP" altLang="en-US" smtClean="0"/>
+              <a:rPr kumimoji="1" lang="ja-JP" altLang="en-US"/>
               <a:t>第 </a:t>
             </a:r>
             <a:r>
-              <a:rPr kumimoji="1" lang="en-US" altLang="ja-JP" smtClean="0"/>
+              <a:rPr kumimoji="1" lang="en-US" altLang="ja-JP"/>
               <a:t>3 </a:t>
             </a:r>
             <a:r>
-              <a:rPr kumimoji="1" lang="ja-JP" altLang="en-US" smtClean="0"/>
+              <a:rPr kumimoji="1" lang="ja-JP" altLang="en-US"/>
               <a:t>レベル</a:t>
             </a:r>
           </a:p>
           <a:p>
             <a:pPr lvl="3"/>
             <a:r>
-              <a:rPr kumimoji="1" lang="ja-JP" altLang="en-US" smtClean="0"/>
+              <a:rPr kumimoji="1" lang="ja-JP" altLang="en-US"/>
               <a:t>第 </a:t>
             </a:r>
             <a:r>
-              <a:rPr kumimoji="1" lang="en-US" altLang="ja-JP" smtClean="0"/>
+              <a:rPr kumimoji="1" lang="en-US" altLang="ja-JP"/>
               <a:t>4 </a:t>
             </a:r>
             <a:r>
-              <a:rPr kumimoji="1" lang="ja-JP" altLang="en-US" smtClean="0"/>
+              <a:rPr kumimoji="1" lang="ja-JP" altLang="en-US"/>
               <a:t>レベル</a:t>
             </a:r>
           </a:p>
           <a:p>
             <a:pPr lvl="4"/>
             <a:r>
-              <a:rPr kumimoji="1" lang="ja-JP" altLang="en-US" smtClean="0"/>
+              <a:rPr kumimoji="1" lang="ja-JP" altLang="en-US"/>
               <a:t>第 </a:t>
             </a:r>
             <a:r>
-              <a:rPr kumimoji="1" lang="en-US" altLang="ja-JP" smtClean="0"/>
+              <a:rPr kumimoji="1" lang="en-US" altLang="ja-JP"/>
               <a:t>5 </a:t>
             </a:r>
             <a:r>
-              <a:rPr kumimoji="1" lang="ja-JP" altLang="en-US" smtClean="0"/>
+              <a:rPr kumimoji="1" lang="ja-JP" altLang="en-US"/>
               <a:t>レベル</a:t>
             </a:r>
-            <a:endParaRPr kumimoji="1" lang="ja-JP" altLang="en-US"/>
           </a:p>
         </p:txBody>
       </p:sp>
@@ -1039,7 +1037,7 @@
           <a:p>
             <a:fld id="{B99983FF-6E45-44AD-8651-85C7043BB16B}" type="datetime1">
               <a:rPr kumimoji="1" lang="ja-JP" altLang="en-US" smtClean="0"/>
-              <a:t>2019/7/1</a:t>
+              <a:t>2021/7/9</a:t>
             </a:fld>
             <a:endParaRPr kumimoji="1" lang="ja-JP" altLang="en-US"/>
           </a:p>
@@ -1133,10 +1131,9 @@
           <a:lstStyle/>
           <a:p>
             <a:r>
-              <a:rPr kumimoji="1" lang="ja-JP" altLang="en-US" smtClean="0"/>
+              <a:rPr kumimoji="1" lang="ja-JP" altLang="en-US"/>
               <a:t>マスター タイトルの書式設定</a:t>
             </a:r>
-            <a:endParaRPr kumimoji="1" lang="ja-JP" altLang="en-US"/>
           </a:p>
         </p:txBody>
       </p:sp>
@@ -1157,70 +1154,69 @@
           <a:p>
             <a:pPr lvl="0"/>
             <a:r>
-              <a:rPr kumimoji="1" lang="ja-JP" altLang="en-US" smtClean="0"/>
+              <a:rPr kumimoji="1" lang="ja-JP" altLang="en-US"/>
               <a:t>マスター テキストの書式設定</a:t>
             </a:r>
           </a:p>
           <a:p>
             <a:pPr lvl="1"/>
             <a:r>
-              <a:rPr kumimoji="1" lang="ja-JP" altLang="en-US" smtClean="0"/>
+              <a:rPr kumimoji="1" lang="ja-JP" altLang="en-US"/>
               <a:t>第 </a:t>
             </a:r>
             <a:r>
-              <a:rPr kumimoji="1" lang="en-US" altLang="ja-JP" smtClean="0"/>
+              <a:rPr kumimoji="1" lang="en-US" altLang="ja-JP"/>
               <a:t>2 </a:t>
             </a:r>
             <a:r>
-              <a:rPr kumimoji="1" lang="ja-JP" altLang="en-US" smtClean="0"/>
+              <a:rPr kumimoji="1" lang="ja-JP" altLang="en-US"/>
               <a:t>レベル</a:t>
             </a:r>
           </a:p>
           <a:p>
             <a:pPr lvl="2"/>
             <a:r>
-              <a:rPr kumimoji="1" lang="ja-JP" altLang="en-US" smtClean="0"/>
+              <a:rPr kumimoji="1" lang="ja-JP" altLang="en-US"/>
               <a:t>第 </a:t>
             </a:r>
             <a:r>
-              <a:rPr kumimoji="1" lang="en-US" altLang="ja-JP" smtClean="0"/>
+              <a:rPr kumimoji="1" lang="en-US" altLang="ja-JP"/>
               <a:t>3 </a:t>
             </a:r>
             <a:r>
-              <a:rPr kumimoji="1" lang="ja-JP" altLang="en-US" smtClean="0"/>
+              <a:rPr kumimoji="1" lang="ja-JP" altLang="en-US"/>
               <a:t>レベル</a:t>
             </a:r>
           </a:p>
           <a:p>
             <a:pPr lvl="3"/>
             <a:r>
-              <a:rPr kumimoji="1" lang="ja-JP" altLang="en-US" smtClean="0"/>
+              <a:rPr kumimoji="1" lang="ja-JP" altLang="en-US"/>
               <a:t>第 </a:t>
             </a:r>
             <a:r>
-              <a:rPr kumimoji="1" lang="en-US" altLang="ja-JP" smtClean="0"/>
+              <a:rPr kumimoji="1" lang="en-US" altLang="ja-JP"/>
               <a:t>4 </a:t>
             </a:r>
             <a:r>
-              <a:rPr kumimoji="1" lang="ja-JP" altLang="en-US" smtClean="0"/>
+              <a:rPr kumimoji="1" lang="ja-JP" altLang="en-US"/>
               <a:t>レベル</a:t>
             </a:r>
           </a:p>
           <a:p>
             <a:pPr lvl="4"/>
             <a:r>
-              <a:rPr kumimoji="1" lang="ja-JP" altLang="en-US" smtClean="0"/>
+              <a:rPr kumimoji="1" lang="ja-JP" altLang="en-US"/>
               <a:t>第 </a:t>
             </a:r>
             <a:r>
-              <a:rPr kumimoji="1" lang="en-US" altLang="ja-JP" smtClean="0"/>
+              <a:rPr kumimoji="1" lang="en-US" altLang="ja-JP"/>
               <a:t>5 </a:t>
             </a:r>
             <a:r>
-              <a:rPr kumimoji="1" lang="ja-JP" altLang="en-US" smtClean="0"/>
+              <a:rPr kumimoji="1" lang="ja-JP" altLang="en-US"/>
               <a:t>レベル</a:t>
             </a:r>
-            <a:endParaRPr kumimoji="1" lang="ja-JP" altLang="en-US"/>
           </a:p>
         </p:txBody>
       </p:sp>
@@ -1241,7 +1237,7 @@
           <a:p>
             <a:fld id="{1AAB0343-2B07-42BB-99B3-5A3435E46C45}" type="datetime1">
               <a:rPr kumimoji="1" lang="ja-JP" altLang="en-US" smtClean="0"/>
-              <a:t>2019/7/1</a:t>
+              <a:t>2021/7/9</a:t>
             </a:fld>
             <a:endParaRPr kumimoji="1" lang="ja-JP" altLang="en-US"/>
           </a:p>
@@ -1344,10 +1340,9 @@
           </a:lstStyle>
           <a:p>
             <a:r>
-              <a:rPr kumimoji="1" lang="ja-JP" altLang="en-US" smtClean="0"/>
+              <a:rPr kumimoji="1" lang="ja-JP" altLang="en-US"/>
               <a:t>マスター タイトルの書式設定</a:t>
             </a:r>
-            <a:endParaRPr kumimoji="1" lang="ja-JP" altLang="en-US"/>
           </a:p>
         </p:txBody>
       </p:sp>
@@ -1464,7 +1459,7 @@
           <a:p>
             <a:pPr lvl="0"/>
             <a:r>
-              <a:rPr kumimoji="1" lang="ja-JP" altLang="en-US" smtClean="0"/>
+              <a:rPr kumimoji="1" lang="ja-JP" altLang="en-US"/>
               <a:t>マスター テキストの書式設定</a:t>
             </a:r>
           </a:p>
@@ -1487,7 +1482,7 @@
           <a:p>
             <a:fld id="{4F066C7B-9033-40C3-892B-B703ED7752D2}" type="datetime1">
               <a:rPr kumimoji="1" lang="ja-JP" altLang="en-US" smtClean="0"/>
-              <a:t>2019/7/1</a:t>
+              <a:t>2021/7/9</a:t>
             </a:fld>
             <a:endParaRPr kumimoji="1" lang="ja-JP" altLang="en-US"/>
           </a:p>
@@ -1581,10 +1576,9 @@
           <a:lstStyle/>
           <a:p>
             <a:r>
-              <a:rPr kumimoji="1" lang="ja-JP" altLang="en-US" smtClean="0"/>
+              <a:rPr kumimoji="1" lang="ja-JP" altLang="en-US"/>
               <a:t>マスター タイトルの書式設定</a:t>
             </a:r>
-            <a:endParaRPr kumimoji="1" lang="ja-JP" altLang="en-US"/>
           </a:p>
         </p:txBody>
       </p:sp>
@@ -1610,70 +1604,69 @@
           <a:p>
             <a:pPr lvl="0"/>
             <a:r>
-              <a:rPr kumimoji="1" lang="ja-JP" altLang="en-US" smtClean="0"/>
+              <a:rPr kumimoji="1" lang="ja-JP" altLang="en-US"/>
               <a:t>マスター テキストの書式設定</a:t>
             </a:r>
           </a:p>
           <a:p>
             <a:pPr lvl="1"/>
             <a:r>
-              <a:rPr kumimoji="1" lang="ja-JP" altLang="en-US" smtClean="0"/>
+              <a:rPr kumimoji="1" lang="ja-JP" altLang="en-US"/>
               <a:t>第 </a:t>
             </a:r>
             <a:r>
-              <a:rPr kumimoji="1" lang="en-US" altLang="ja-JP" smtClean="0"/>
+              <a:rPr kumimoji="1" lang="en-US" altLang="ja-JP"/>
               <a:t>2 </a:t>
             </a:r>
             <a:r>
-              <a:rPr kumimoji="1" lang="ja-JP" altLang="en-US" smtClean="0"/>
+              <a:rPr kumimoji="1" lang="ja-JP" altLang="en-US"/>
               <a:t>レベル</a:t>
             </a:r>
           </a:p>
           <a:p>
             <a:pPr lvl="2"/>
             <a:r>
-              <a:rPr kumimoji="1" lang="ja-JP" altLang="en-US" smtClean="0"/>
+              <a:rPr kumimoji="1" lang="ja-JP" altLang="en-US"/>
               <a:t>第 </a:t>
             </a:r>
             <a:r>
-              <a:rPr kumimoji="1" lang="en-US" altLang="ja-JP" smtClean="0"/>
+              <a:rPr kumimoji="1" lang="en-US" altLang="ja-JP"/>
               <a:t>3 </a:t>
             </a:r>
             <a:r>
-              <a:rPr kumimoji="1" lang="ja-JP" altLang="en-US" smtClean="0"/>
+              <a:rPr kumimoji="1" lang="ja-JP" altLang="en-US"/>
               <a:t>レベル</a:t>
             </a:r>
           </a:p>
           <a:p>
             <a:pPr lvl="3"/>
             <a:r>
-              <a:rPr kumimoji="1" lang="ja-JP" altLang="en-US" smtClean="0"/>
+              <a:rPr kumimoji="1" lang="ja-JP" altLang="en-US"/>
               <a:t>第 </a:t>
             </a:r>
             <a:r>
-              <a:rPr kumimoji="1" lang="en-US" altLang="ja-JP" smtClean="0"/>
+              <a:rPr kumimoji="1" lang="en-US" altLang="ja-JP"/>
               <a:t>4 </a:t>
             </a:r>
             <a:r>
-              <a:rPr kumimoji="1" lang="ja-JP" altLang="en-US" smtClean="0"/>
+              <a:rPr kumimoji="1" lang="ja-JP" altLang="en-US"/>
               <a:t>レベル</a:t>
             </a:r>
           </a:p>
           <a:p>
             <a:pPr lvl="4"/>
             <a:r>
-              <a:rPr kumimoji="1" lang="ja-JP" altLang="en-US" smtClean="0"/>
+              <a:rPr kumimoji="1" lang="ja-JP" altLang="en-US"/>
               <a:t>第 </a:t>
             </a:r>
             <a:r>
-              <a:rPr kumimoji="1" lang="en-US" altLang="ja-JP" smtClean="0"/>
+              <a:rPr kumimoji="1" lang="en-US" altLang="ja-JP"/>
               <a:t>5 </a:t>
             </a:r>
             <a:r>
-              <a:rPr kumimoji="1" lang="ja-JP" altLang="en-US" smtClean="0"/>
+              <a:rPr kumimoji="1" lang="ja-JP" altLang="en-US"/>
               <a:t>レベル</a:t>
             </a:r>
-            <a:endParaRPr kumimoji="1" lang="ja-JP" altLang="en-US"/>
           </a:p>
         </p:txBody>
       </p:sp>
@@ -1699,70 +1692,69 @@
           <a:p>
             <a:pPr lvl="0"/>
             <a:r>
-              <a:rPr kumimoji="1" lang="ja-JP" altLang="en-US" smtClean="0"/>
+              <a:rPr kumimoji="1" lang="ja-JP" altLang="en-US"/>
               <a:t>マスター テキストの書式設定</a:t>
             </a:r>
           </a:p>
           <a:p>
             <a:pPr lvl="1"/>
             <a:r>
-              <a:rPr kumimoji="1" lang="ja-JP" altLang="en-US" smtClean="0"/>
+              <a:rPr kumimoji="1" lang="ja-JP" altLang="en-US"/>
               <a:t>第 </a:t>
             </a:r>
             <a:r>
-              <a:rPr kumimoji="1" lang="en-US" altLang="ja-JP" smtClean="0"/>
+              <a:rPr kumimoji="1" lang="en-US" altLang="ja-JP"/>
               <a:t>2 </a:t>
             </a:r>
             <a:r>
-              <a:rPr kumimoji="1" lang="ja-JP" altLang="en-US" smtClean="0"/>
+              <a:rPr kumimoji="1" lang="ja-JP" altLang="en-US"/>
               <a:t>レベル</a:t>
             </a:r>
           </a:p>
           <a:p>
             <a:pPr lvl="2"/>
             <a:r>
-              <a:rPr kumimoji="1" lang="ja-JP" altLang="en-US" smtClean="0"/>
+              <a:rPr kumimoji="1" lang="ja-JP" altLang="en-US"/>
               <a:t>第 </a:t>
             </a:r>
             <a:r>
-              <a:rPr kumimoji="1" lang="en-US" altLang="ja-JP" smtClean="0"/>
+              <a:rPr kumimoji="1" lang="en-US" altLang="ja-JP"/>
               <a:t>3 </a:t>
             </a:r>
             <a:r>
-              <a:rPr kumimoji="1" lang="ja-JP" altLang="en-US" smtClean="0"/>
+              <a:rPr kumimoji="1" lang="ja-JP" altLang="en-US"/>
               <a:t>レベル</a:t>
             </a:r>
           </a:p>
           <a:p>
             <a:pPr lvl="3"/>
             <a:r>
-              <a:rPr kumimoji="1" lang="ja-JP" altLang="en-US" smtClean="0"/>
+              <a:rPr kumimoji="1" lang="ja-JP" altLang="en-US"/>
               <a:t>第 </a:t>
             </a:r>
             <a:r>
-              <a:rPr kumimoji="1" lang="en-US" altLang="ja-JP" smtClean="0"/>
+              <a:rPr kumimoji="1" lang="en-US" altLang="ja-JP"/>
               <a:t>4 </a:t>
             </a:r>
             <a:r>
-              <a:rPr kumimoji="1" lang="ja-JP" altLang="en-US" smtClean="0"/>
+              <a:rPr kumimoji="1" lang="ja-JP" altLang="en-US"/>
               <a:t>レベル</a:t>
             </a:r>
           </a:p>
           <a:p>
             <a:pPr lvl="4"/>
             <a:r>
-              <a:rPr kumimoji="1" lang="ja-JP" altLang="en-US" smtClean="0"/>
+              <a:rPr kumimoji="1" lang="ja-JP" altLang="en-US"/>
               <a:t>第 </a:t>
             </a:r>
             <a:r>
-              <a:rPr kumimoji="1" lang="en-US" altLang="ja-JP" smtClean="0"/>
+              <a:rPr kumimoji="1" lang="en-US" altLang="ja-JP"/>
               <a:t>5 </a:t>
             </a:r>
             <a:r>
-              <a:rPr kumimoji="1" lang="ja-JP" altLang="en-US" smtClean="0"/>
+              <a:rPr kumimoji="1" lang="ja-JP" altLang="en-US"/>
               <a:t>レベル</a:t>
             </a:r>
-            <a:endParaRPr kumimoji="1" lang="ja-JP" altLang="en-US"/>
           </a:p>
         </p:txBody>
       </p:sp>
@@ -1783,7 +1775,7 @@
           <a:p>
             <a:fld id="{9EE40DC3-032A-4A81-9DF2-494A48A224DC}" type="datetime1">
               <a:rPr kumimoji="1" lang="ja-JP" altLang="en-US" smtClean="0"/>
-              <a:t>2019/7/1</a:t>
+              <a:t>2021/7/9</a:t>
             </a:fld>
             <a:endParaRPr kumimoji="1" lang="ja-JP" altLang="en-US"/>
           </a:p>
@@ -1882,10 +1874,9 @@
           <a:lstStyle/>
           <a:p>
             <a:r>
-              <a:rPr kumimoji="1" lang="ja-JP" altLang="en-US" smtClean="0"/>
+              <a:rPr kumimoji="1" lang="ja-JP" altLang="en-US"/>
               <a:t>マスター タイトルの書式設定</a:t>
             </a:r>
-            <a:endParaRPr kumimoji="1" lang="ja-JP" altLang="en-US"/>
           </a:p>
         </p:txBody>
       </p:sp>
@@ -1948,7 +1939,7 @@
           <a:p>
             <a:pPr lvl="0"/>
             <a:r>
-              <a:rPr kumimoji="1" lang="ja-JP" altLang="en-US" smtClean="0"/>
+              <a:rPr kumimoji="1" lang="ja-JP" altLang="en-US"/>
               <a:t>マスター テキストの書式設定</a:t>
             </a:r>
           </a:p>
@@ -1976,70 +1967,69 @@
           <a:p>
             <a:pPr lvl="0"/>
             <a:r>
-              <a:rPr kumimoji="1" lang="ja-JP" altLang="en-US" smtClean="0"/>
+              <a:rPr kumimoji="1" lang="ja-JP" altLang="en-US"/>
               <a:t>マスター テキストの書式設定</a:t>
             </a:r>
           </a:p>
           <a:p>
             <a:pPr lvl="1"/>
             <a:r>
-              <a:rPr kumimoji="1" lang="ja-JP" altLang="en-US" smtClean="0"/>
+              <a:rPr kumimoji="1" lang="ja-JP" altLang="en-US"/>
               <a:t>第 </a:t>
             </a:r>
             <a:r>
-              <a:rPr kumimoji="1" lang="en-US" altLang="ja-JP" smtClean="0"/>
+              <a:rPr kumimoji="1" lang="en-US" altLang="ja-JP"/>
               <a:t>2 </a:t>
             </a:r>
             <a:r>
-              <a:rPr kumimoji="1" lang="ja-JP" altLang="en-US" smtClean="0"/>
+              <a:rPr kumimoji="1" lang="ja-JP" altLang="en-US"/>
               <a:t>レベル</a:t>
             </a:r>
           </a:p>
           <a:p>
             <a:pPr lvl="2"/>
             <a:r>
-              <a:rPr kumimoji="1" lang="ja-JP" altLang="en-US" smtClean="0"/>
+              <a:rPr kumimoji="1" lang="ja-JP" altLang="en-US"/>
               <a:t>第 </a:t>
             </a:r>
             <a:r>
-              <a:rPr kumimoji="1" lang="en-US" altLang="ja-JP" smtClean="0"/>
+              <a:rPr kumimoji="1" lang="en-US" altLang="ja-JP"/>
               <a:t>3 </a:t>
             </a:r>
             <a:r>
-              <a:rPr kumimoji="1" lang="ja-JP" altLang="en-US" smtClean="0"/>
+              <a:rPr kumimoji="1" lang="ja-JP" altLang="en-US"/>
               <a:t>レベル</a:t>
             </a:r>
           </a:p>
           <a:p>
             <a:pPr lvl="3"/>
             <a:r>
-              <a:rPr kumimoji="1" lang="ja-JP" altLang="en-US" smtClean="0"/>
+              <a:rPr kumimoji="1" lang="ja-JP" altLang="en-US"/>
               <a:t>第 </a:t>
             </a:r>
             <a:r>
-              <a:rPr kumimoji="1" lang="en-US" altLang="ja-JP" smtClean="0"/>
+              <a:rPr kumimoji="1" lang="en-US" altLang="ja-JP"/>
               <a:t>4 </a:t>
             </a:r>
             <a:r>
-              <a:rPr kumimoji="1" lang="ja-JP" altLang="en-US" smtClean="0"/>
+              <a:rPr kumimoji="1" lang="ja-JP" altLang="en-US"/>
               <a:t>レベル</a:t>
             </a:r>
           </a:p>
           <a:p>
             <a:pPr lvl="4"/>
             <a:r>
-              <a:rPr kumimoji="1" lang="ja-JP" altLang="en-US" smtClean="0"/>
+              <a:rPr kumimoji="1" lang="ja-JP" altLang="en-US"/>
               <a:t>第 </a:t>
             </a:r>
             <a:r>
-              <a:rPr kumimoji="1" lang="en-US" altLang="ja-JP" smtClean="0"/>
+              <a:rPr kumimoji="1" lang="en-US" altLang="ja-JP"/>
               <a:t>5 </a:t>
             </a:r>
             <a:r>
-              <a:rPr kumimoji="1" lang="ja-JP" altLang="en-US" smtClean="0"/>
+              <a:rPr kumimoji="1" lang="ja-JP" altLang="en-US"/>
               <a:t>レベル</a:t>
             </a:r>
-            <a:endParaRPr kumimoji="1" lang="ja-JP" altLang="en-US"/>
           </a:p>
         </p:txBody>
       </p:sp>
@@ -2102,7 +2092,7 @@
           <a:p>
             <a:pPr lvl="0"/>
             <a:r>
-              <a:rPr kumimoji="1" lang="ja-JP" altLang="en-US" smtClean="0"/>
+              <a:rPr kumimoji="1" lang="ja-JP" altLang="en-US"/>
               <a:t>マスター テキストの書式設定</a:t>
             </a:r>
           </a:p>
@@ -2130,70 +2120,69 @@
           <a:p>
             <a:pPr lvl="0"/>
             <a:r>
-              <a:rPr kumimoji="1" lang="ja-JP" altLang="en-US" smtClean="0"/>
+              <a:rPr kumimoji="1" lang="ja-JP" altLang="en-US"/>
               <a:t>マスター テキストの書式設定</a:t>
             </a:r>
           </a:p>
           <a:p>
             <a:pPr lvl="1"/>
             <a:r>
-              <a:rPr kumimoji="1" lang="ja-JP" altLang="en-US" smtClean="0"/>
+              <a:rPr kumimoji="1" lang="ja-JP" altLang="en-US"/>
               <a:t>第 </a:t>
             </a:r>
             <a:r>
-              <a:rPr kumimoji="1" lang="en-US" altLang="ja-JP" smtClean="0"/>
+              <a:rPr kumimoji="1" lang="en-US" altLang="ja-JP"/>
               <a:t>2 </a:t>
             </a:r>
             <a:r>
-              <a:rPr kumimoji="1" lang="ja-JP" altLang="en-US" smtClean="0"/>
+              <a:rPr kumimoji="1" lang="ja-JP" altLang="en-US"/>
               <a:t>レベル</a:t>
             </a:r>
           </a:p>
           <a:p>
             <a:pPr lvl="2"/>
             <a:r>
-              <a:rPr kumimoji="1" lang="ja-JP" altLang="en-US" smtClean="0"/>
+              <a:rPr kumimoji="1" lang="ja-JP" altLang="en-US"/>
               <a:t>第 </a:t>
             </a:r>
             <a:r>
-              <a:rPr kumimoji="1" lang="en-US" altLang="ja-JP" smtClean="0"/>
+              <a:rPr kumimoji="1" lang="en-US" altLang="ja-JP"/>
               <a:t>3 </a:t>
             </a:r>
             <a:r>
-              <a:rPr kumimoji="1" lang="ja-JP" altLang="en-US" smtClean="0"/>
+              <a:rPr kumimoji="1" lang="ja-JP" altLang="en-US"/>
               <a:t>レベル</a:t>
             </a:r>
           </a:p>
           <a:p>
             <a:pPr lvl="3"/>
             <a:r>
-              <a:rPr kumimoji="1" lang="ja-JP" altLang="en-US" smtClean="0"/>
+              <a:rPr kumimoji="1" lang="ja-JP" altLang="en-US"/>
               <a:t>第 </a:t>
             </a:r>
             <a:r>
-              <a:rPr kumimoji="1" lang="en-US" altLang="ja-JP" smtClean="0"/>
+              <a:rPr kumimoji="1" lang="en-US" altLang="ja-JP"/>
               <a:t>4 </a:t>
             </a:r>
             <a:r>
-              <a:rPr kumimoji="1" lang="ja-JP" altLang="en-US" smtClean="0"/>
+              <a:rPr kumimoji="1" lang="ja-JP" altLang="en-US"/>
               <a:t>レベル</a:t>
             </a:r>
           </a:p>
           <a:p>
             <a:pPr lvl="4"/>
             <a:r>
-              <a:rPr kumimoji="1" lang="ja-JP" altLang="en-US" smtClean="0"/>
+              <a:rPr kumimoji="1" lang="ja-JP" altLang="en-US"/>
               <a:t>第 </a:t>
             </a:r>
             <a:r>
-              <a:rPr kumimoji="1" lang="en-US" altLang="ja-JP" smtClean="0"/>
+              <a:rPr kumimoji="1" lang="en-US" altLang="ja-JP"/>
               <a:t>5 </a:t>
             </a:r>
             <a:r>
-              <a:rPr kumimoji="1" lang="ja-JP" altLang="en-US" smtClean="0"/>
+              <a:rPr kumimoji="1" lang="ja-JP" altLang="en-US"/>
               <a:t>レベル</a:t>
             </a:r>
-            <a:endParaRPr kumimoji="1" lang="ja-JP" altLang="en-US"/>
           </a:p>
         </p:txBody>
       </p:sp>
@@ -2214,7 +2203,7 @@
           <a:p>
             <a:fld id="{1B561B77-BCA7-48D7-A257-356ACA410515}" type="datetime1">
               <a:rPr kumimoji="1" lang="ja-JP" altLang="en-US" smtClean="0"/>
-              <a:t>2019/7/1</a:t>
+              <a:t>2021/7/9</a:t>
             </a:fld>
             <a:endParaRPr kumimoji="1" lang="ja-JP" altLang="en-US"/>
           </a:p>
@@ -2308,10 +2297,9 @@
           <a:lstStyle/>
           <a:p>
             <a:r>
-              <a:rPr kumimoji="1" lang="ja-JP" altLang="en-US" smtClean="0"/>
+              <a:rPr kumimoji="1" lang="ja-JP" altLang="en-US"/>
               <a:t>マスター タイトルの書式設定</a:t>
             </a:r>
-            <a:endParaRPr kumimoji="1" lang="ja-JP" altLang="en-US"/>
           </a:p>
         </p:txBody>
       </p:sp>
@@ -2332,7 +2320,7 @@
           <a:p>
             <a:fld id="{4BD98856-F767-4C96-9EB6-2AC601F52712}" type="datetime1">
               <a:rPr kumimoji="1" lang="ja-JP" altLang="en-US" smtClean="0"/>
-              <a:t>2019/7/1</a:t>
+              <a:t>2021/7/9</a:t>
             </a:fld>
             <a:endParaRPr kumimoji="1" lang="ja-JP" altLang="en-US"/>
           </a:p>
@@ -2427,7 +2415,7 @@
           <a:p>
             <a:fld id="{ACD2AA26-5B76-4C3A-AFE0-497F8B6EA0FB}" type="datetime1">
               <a:rPr kumimoji="1" lang="ja-JP" altLang="en-US" smtClean="0"/>
-              <a:t>2019/7/1</a:t>
+              <a:t>2021/7/9</a:t>
             </a:fld>
             <a:endParaRPr kumimoji="1" lang="ja-JP" altLang="en-US"/>
           </a:p>
@@ -2530,10 +2518,9 @@
           </a:lstStyle>
           <a:p>
             <a:r>
-              <a:rPr kumimoji="1" lang="ja-JP" altLang="en-US" smtClean="0"/>
+              <a:rPr kumimoji="1" lang="ja-JP" altLang="en-US"/>
               <a:t>マスター タイトルの書式設定</a:t>
             </a:r>
-            <a:endParaRPr kumimoji="1" lang="ja-JP" altLang="en-US"/>
           </a:p>
         </p:txBody>
       </p:sp>
@@ -2587,70 +2574,69 @@
           <a:p>
             <a:pPr lvl="0"/>
             <a:r>
-              <a:rPr kumimoji="1" lang="ja-JP" altLang="en-US" smtClean="0"/>
+              <a:rPr kumimoji="1" lang="ja-JP" altLang="en-US"/>
               <a:t>マスター テキストの書式設定</a:t>
             </a:r>
           </a:p>
           <a:p>
             <a:pPr lvl="1"/>
             <a:r>
-              <a:rPr kumimoji="1" lang="ja-JP" altLang="en-US" smtClean="0"/>
+              <a:rPr kumimoji="1" lang="ja-JP" altLang="en-US"/>
               <a:t>第 </a:t>
             </a:r>
             <a:r>
-              <a:rPr kumimoji="1" lang="en-US" altLang="ja-JP" smtClean="0"/>
+              <a:rPr kumimoji="1" lang="en-US" altLang="ja-JP"/>
               <a:t>2 </a:t>
             </a:r>
             <a:r>
-              <a:rPr kumimoji="1" lang="ja-JP" altLang="en-US" smtClean="0"/>
+              <a:rPr kumimoji="1" lang="ja-JP" altLang="en-US"/>
               <a:t>レベル</a:t>
             </a:r>
           </a:p>
           <a:p>
             <a:pPr lvl="2"/>
             <a:r>
-              <a:rPr kumimoji="1" lang="ja-JP" altLang="en-US" smtClean="0"/>
+              <a:rPr kumimoji="1" lang="ja-JP" altLang="en-US"/>
               <a:t>第 </a:t>
             </a:r>
             <a:r>
-              <a:rPr kumimoji="1" lang="en-US" altLang="ja-JP" smtClean="0"/>
+              <a:rPr kumimoji="1" lang="en-US" altLang="ja-JP"/>
               <a:t>3 </a:t>
             </a:r>
             <a:r>
-              <a:rPr kumimoji="1" lang="ja-JP" altLang="en-US" smtClean="0"/>
+              <a:rPr kumimoji="1" lang="ja-JP" altLang="en-US"/>
               <a:t>レベル</a:t>
             </a:r>
           </a:p>
           <a:p>
             <a:pPr lvl="3"/>
             <a:r>
-              <a:rPr kumimoji="1" lang="ja-JP" altLang="en-US" smtClean="0"/>
+              <a:rPr kumimoji="1" lang="ja-JP" altLang="en-US"/>
               <a:t>第 </a:t>
             </a:r>
             <a:r>
-              <a:rPr kumimoji="1" lang="en-US" altLang="ja-JP" smtClean="0"/>
+              <a:rPr kumimoji="1" lang="en-US" altLang="ja-JP"/>
               <a:t>4 </a:t>
             </a:r>
             <a:r>
-              <a:rPr kumimoji="1" lang="ja-JP" altLang="en-US" smtClean="0"/>
+              <a:rPr kumimoji="1" lang="ja-JP" altLang="en-US"/>
               <a:t>レベル</a:t>
             </a:r>
           </a:p>
           <a:p>
             <a:pPr lvl="4"/>
             <a:r>
-              <a:rPr kumimoji="1" lang="ja-JP" altLang="en-US" smtClean="0"/>
+              <a:rPr kumimoji="1" lang="ja-JP" altLang="en-US"/>
               <a:t>第 </a:t>
             </a:r>
             <a:r>
-              <a:rPr kumimoji="1" lang="en-US" altLang="ja-JP" smtClean="0"/>
+              <a:rPr kumimoji="1" lang="en-US" altLang="ja-JP"/>
               <a:t>5 </a:t>
             </a:r>
             <a:r>
-              <a:rPr kumimoji="1" lang="ja-JP" altLang="en-US" smtClean="0"/>
+              <a:rPr kumimoji="1" lang="ja-JP" altLang="en-US"/>
               <a:t>レベル</a:t>
             </a:r>
-            <a:endParaRPr kumimoji="1" lang="ja-JP" altLang="en-US"/>
           </a:p>
         </p:txBody>
       </p:sp>
@@ -2713,7 +2699,7 @@
           <a:p>
             <a:pPr lvl="0"/>
             <a:r>
-              <a:rPr kumimoji="1" lang="ja-JP" altLang="en-US" smtClean="0"/>
+              <a:rPr kumimoji="1" lang="ja-JP" altLang="en-US"/>
               <a:t>マスター テキストの書式設定</a:t>
             </a:r>
           </a:p>
@@ -2736,7 +2722,7 @@
           <a:p>
             <a:fld id="{7466DAF2-0813-436A-BF46-77D571D464F4}" type="datetime1">
               <a:rPr kumimoji="1" lang="ja-JP" altLang="en-US" smtClean="0"/>
-              <a:t>2019/7/1</a:t>
+              <a:t>2021/7/9</a:t>
             </a:fld>
             <a:endParaRPr kumimoji="1" lang="ja-JP" altLang="en-US"/>
           </a:p>
@@ -2839,10 +2825,9 @@
           </a:lstStyle>
           <a:p>
             <a:r>
-              <a:rPr kumimoji="1" lang="ja-JP" altLang="en-US" smtClean="0"/>
+              <a:rPr kumimoji="1" lang="ja-JP" altLang="en-US"/>
               <a:t>マスター タイトルの書式設定</a:t>
             </a:r>
-            <a:endParaRPr kumimoji="1" lang="ja-JP" altLang="en-US"/>
           </a:p>
         </p:txBody>
       </p:sp>
@@ -2966,7 +2951,7 @@
           <a:p>
             <a:pPr lvl="0"/>
             <a:r>
-              <a:rPr kumimoji="1" lang="ja-JP" altLang="en-US" smtClean="0"/>
+              <a:rPr kumimoji="1" lang="ja-JP" altLang="en-US"/>
               <a:t>マスター テキストの書式設定</a:t>
             </a:r>
           </a:p>
@@ -2989,7 +2974,7 @@
           <a:p>
             <a:fld id="{0B339ACE-10A6-4B80-96C0-27718123B306}" type="datetime1">
               <a:rPr kumimoji="1" lang="ja-JP" altLang="en-US" smtClean="0"/>
-              <a:t>2019/7/1</a:t>
+              <a:t>2021/7/9</a:t>
             </a:fld>
             <a:endParaRPr kumimoji="1" lang="ja-JP" altLang="en-US"/>
           </a:p>
@@ -3098,10 +3083,9 @@
           <a:lstStyle/>
           <a:p>
             <a:r>
-              <a:rPr kumimoji="1" lang="ja-JP" altLang="en-US" smtClean="0"/>
+              <a:rPr kumimoji="1" lang="ja-JP" altLang="en-US"/>
               <a:t>マスター タイトルの書式設定</a:t>
             </a:r>
-            <a:endParaRPr kumimoji="1" lang="ja-JP" altLang="en-US"/>
           </a:p>
         </p:txBody>
       </p:sp>
@@ -3132,70 +3116,69 @@
           <a:p>
             <a:pPr lvl="0"/>
             <a:r>
-              <a:rPr kumimoji="1" lang="ja-JP" altLang="en-US" smtClean="0"/>
+              <a:rPr kumimoji="1" lang="ja-JP" altLang="en-US"/>
               <a:t>マスター テキストの書式設定</a:t>
             </a:r>
           </a:p>
           <a:p>
             <a:pPr lvl="1"/>
             <a:r>
-              <a:rPr kumimoji="1" lang="ja-JP" altLang="en-US" smtClean="0"/>
+              <a:rPr kumimoji="1" lang="ja-JP" altLang="en-US"/>
               <a:t>第 </a:t>
             </a:r>
             <a:r>
-              <a:rPr kumimoji="1" lang="en-US" altLang="ja-JP" smtClean="0"/>
+              <a:rPr kumimoji="1" lang="en-US" altLang="ja-JP"/>
               <a:t>2 </a:t>
             </a:r>
             <a:r>
-              <a:rPr kumimoji="1" lang="ja-JP" altLang="en-US" smtClean="0"/>
+              <a:rPr kumimoji="1" lang="ja-JP" altLang="en-US"/>
               <a:t>レベル</a:t>
             </a:r>
           </a:p>
           <a:p>
             <a:pPr lvl="2"/>
             <a:r>
-              <a:rPr kumimoji="1" lang="ja-JP" altLang="en-US" smtClean="0"/>
+              <a:rPr kumimoji="1" lang="ja-JP" altLang="en-US"/>
               <a:t>第 </a:t>
             </a:r>
             <a:r>
-              <a:rPr kumimoji="1" lang="en-US" altLang="ja-JP" smtClean="0"/>
+              <a:rPr kumimoji="1" lang="en-US" altLang="ja-JP"/>
               <a:t>3 </a:t>
             </a:r>
             <a:r>
-              <a:rPr kumimoji="1" lang="ja-JP" altLang="en-US" smtClean="0"/>
+              <a:rPr kumimoji="1" lang="ja-JP" altLang="en-US"/>
               <a:t>レベル</a:t>
             </a:r>
           </a:p>
           <a:p>
             <a:pPr lvl="3"/>
             <a:r>
-              <a:rPr kumimoji="1" lang="ja-JP" altLang="en-US" smtClean="0"/>
+              <a:rPr kumimoji="1" lang="ja-JP" altLang="en-US"/>
               <a:t>第 </a:t>
             </a:r>
             <a:r>
-              <a:rPr kumimoji="1" lang="en-US" altLang="ja-JP" smtClean="0"/>
+              <a:rPr kumimoji="1" lang="en-US" altLang="ja-JP"/>
               <a:t>4 </a:t>
             </a:r>
             <a:r>
-              <a:rPr kumimoji="1" lang="ja-JP" altLang="en-US" smtClean="0"/>
+              <a:rPr kumimoji="1" lang="ja-JP" altLang="en-US"/>
               <a:t>レベル</a:t>
             </a:r>
           </a:p>
           <a:p>
             <a:pPr lvl="4"/>
             <a:r>
-              <a:rPr kumimoji="1" lang="ja-JP" altLang="en-US" smtClean="0"/>
+              <a:rPr kumimoji="1" lang="ja-JP" altLang="en-US"/>
               <a:t>第 </a:t>
             </a:r>
             <a:r>
-              <a:rPr kumimoji="1" lang="en-US" altLang="ja-JP" smtClean="0"/>
+              <a:rPr kumimoji="1" lang="en-US" altLang="ja-JP"/>
               <a:t>5 </a:t>
             </a:r>
             <a:r>
-              <a:rPr kumimoji="1" lang="ja-JP" altLang="en-US" smtClean="0"/>
+              <a:rPr kumimoji="1" lang="ja-JP" altLang="en-US"/>
               <a:t>レベル</a:t>
             </a:r>
-            <a:endParaRPr kumimoji="1" lang="ja-JP" altLang="en-US"/>
           </a:p>
         </p:txBody>
       </p:sp>
@@ -3234,7 +3217,7 @@
           <a:p>
             <a:fld id="{02EDD0A3-7519-430F-82F8-A364990B3FE7}" type="datetime1">
               <a:rPr kumimoji="1" lang="ja-JP" altLang="en-US" smtClean="0"/>
-              <a:t>2019/7/1</a:t>
+              <a:t>2021/7/9</a:t>
             </a:fld>
             <a:endParaRPr kumimoji="1" lang="ja-JP" altLang="en-US"/>
           </a:p>
@@ -3656,10 +3639,9 @@
           <a:lstStyle/>
           <a:p>
             <a:r>
-              <a:rPr kumimoji="1" lang="ja-JP" altLang="en-US" dirty="0" smtClean="0"/>
+              <a:rPr kumimoji="1" lang="ja-JP" altLang="en-US" dirty="0"/>
               <a:t>作成したゲームの紹介</a:t>
             </a:r>
-            <a:endParaRPr kumimoji="1" lang="ja-JP" altLang="en-US" dirty="0"/>
           </a:p>
         </p:txBody>
       </p:sp>
@@ -3679,17 +3661,16 @@
           <a:lstStyle/>
           <a:p>
             <a:r>
-              <a:rPr kumimoji="1" lang="ja-JP" altLang="en-US" dirty="0" smtClean="0"/>
+              <a:rPr kumimoji="1" lang="ja-JP" altLang="en-US" dirty="0"/>
               <a:t>大学院情報科学研究科</a:t>
             </a:r>
-            <a:endParaRPr kumimoji="1" lang="en-US" altLang="ja-JP" dirty="0" smtClean="0"/>
-          </a:p>
-          <a:p>
-            <a:r>
-              <a:rPr kumimoji="1" lang="ja-JP" altLang="en-US" dirty="0" smtClean="0"/>
+            <a:endParaRPr kumimoji="1" lang="en-US" altLang="ja-JP" dirty="0"/>
+          </a:p>
+          <a:p>
+            <a:r>
+              <a:rPr kumimoji="1" lang="ja-JP" altLang="en-US" dirty="0"/>
               <a:t>土屋達弘</a:t>
             </a:r>
-            <a:endParaRPr kumimoji="1" lang="ja-JP" altLang="en-US" dirty="0"/>
           </a:p>
         </p:txBody>
       </p:sp>
@@ -3726,13 +3707,6 @@
   <p:clrMapOvr>
     <a:masterClrMapping/>
   </p:clrMapOvr>
-  <p:timing>
-    <p:tnLst>
-      <p:par>
-        <p:cTn id="1" dur="indefinite" restart="never" nodeType="tmRoot"/>
-      </p:par>
-    </p:tnLst>
-  </p:timing>
 </p:sld>
 </file>
 
@@ -3771,7 +3745,7 @@
           <a:lstStyle/>
           <a:p>
             <a:r>
-              <a:rPr lang="ja-JP" altLang="en-US" sz="4000" dirty="0" smtClean="0"/>
+              <a:rPr lang="ja-JP" altLang="en-US" sz="4000" dirty="0"/>
               <a:t>作成したゲーム</a:t>
             </a:r>
             <a:endParaRPr kumimoji="1" lang="ja-JP" altLang="en-US" sz="4000" dirty="0"/>
@@ -3801,67 +3775,66 @@
           <a:lstStyle/>
           <a:p>
             <a:r>
-              <a:rPr kumimoji="1" lang="ja-JP" altLang="en-US" dirty="0" smtClean="0"/>
+              <a:rPr kumimoji="1" lang="ja-JP" altLang="en-US" dirty="0"/>
               <a:t>ゲーム名</a:t>
             </a:r>
-            <a:endParaRPr kumimoji="1" lang="en-US" altLang="ja-JP" dirty="0" smtClean="0"/>
+            <a:endParaRPr kumimoji="1" lang="en-US" altLang="ja-JP" dirty="0"/>
           </a:p>
           <a:p>
             <a:pPr lvl="1"/>
             <a:r>
-              <a:rPr kumimoji="1" lang="en-US" altLang="ja-JP" dirty="0" err="1" smtClean="0"/>
+              <a:rPr kumimoji="1" lang="en-US" altLang="ja-JP" dirty="0" err="1"/>
               <a:t>meteo</a:t>
             </a:r>
             <a:r>
-              <a:rPr kumimoji="1" lang="en-US" altLang="ja-JP" dirty="0" smtClean="0"/>
+              <a:rPr kumimoji="1" lang="en-US" altLang="ja-JP" dirty="0"/>
               <a:t> </a:t>
             </a:r>
           </a:p>
           <a:p>
             <a:r>
-              <a:rPr lang="ja-JP" altLang="en-US" dirty="0" smtClean="0"/>
+              <a:rPr lang="ja-JP" altLang="en-US" dirty="0"/>
               <a:t>内容</a:t>
             </a:r>
-            <a:endParaRPr lang="en-US" altLang="ja-JP" dirty="0" smtClean="0"/>
+            <a:endParaRPr lang="en-US" altLang="ja-JP" dirty="0"/>
           </a:p>
           <a:p>
             <a:pPr lvl="1"/>
             <a:r>
-              <a:rPr lang="ja-JP" altLang="en-US" dirty="0" smtClean="0"/>
+              <a:rPr lang="ja-JP" altLang="en-US" dirty="0"/>
               <a:t>自分の飛行機を左右に動かして，上から流れてくる隕石をよける</a:t>
             </a:r>
-            <a:endParaRPr lang="en-US" altLang="ja-JP" dirty="0" smtClean="0"/>
+            <a:endParaRPr lang="en-US" altLang="ja-JP" dirty="0"/>
           </a:p>
           <a:p>
             <a:pPr lvl="1"/>
             <a:r>
-              <a:rPr lang="ja-JP" altLang="en-US" dirty="0" smtClean="0"/>
+              <a:rPr lang="ja-JP" altLang="en-US" dirty="0"/>
               <a:t>発射したミサイルで隕石を破壊可能</a:t>
             </a:r>
-            <a:endParaRPr lang="en-US" altLang="ja-JP" dirty="0" smtClean="0"/>
-          </a:p>
-          <a:p>
-            <a:r>
-              <a:rPr kumimoji="1" lang="ja-JP" altLang="en-US" dirty="0" smtClean="0"/>
+            <a:endParaRPr lang="en-US" altLang="ja-JP" dirty="0"/>
+          </a:p>
+          <a:p>
+            <a:r>
+              <a:rPr kumimoji="1" lang="ja-JP" altLang="en-US" dirty="0"/>
               <a:t>操作方法</a:t>
             </a:r>
-            <a:endParaRPr kumimoji="1" lang="en-US" altLang="ja-JP" dirty="0" smtClean="0"/>
+            <a:endParaRPr kumimoji="1" lang="en-US" altLang="ja-JP" dirty="0"/>
           </a:p>
           <a:p>
             <a:pPr lvl="1"/>
             <a:r>
-              <a:rPr lang="ja-JP" altLang="en-US" dirty="0" smtClean="0"/>
+              <a:rPr lang="ja-JP" altLang="en-US" dirty="0"/>
               <a:t>←→キー：左右</a:t>
             </a:r>
-            <a:endParaRPr lang="en-US" altLang="ja-JP" dirty="0" smtClean="0"/>
+            <a:endParaRPr lang="en-US" altLang="ja-JP" dirty="0"/>
           </a:p>
           <a:p>
             <a:pPr lvl="1"/>
             <a:r>
-              <a:rPr kumimoji="1" lang="ja-JP" altLang="en-US" dirty="0" smtClean="0"/>
+              <a:rPr kumimoji="1" lang="ja-JP" altLang="en-US" dirty="0"/>
               <a:t>スペース：ミサイル発射</a:t>
             </a:r>
-            <a:endParaRPr kumimoji="1" lang="ja-JP" altLang="en-US" dirty="0"/>
           </a:p>
         </p:txBody>
       </p:sp>
@@ -3945,10 +3918,9 @@
           <a:lstStyle/>
           <a:p>
             <a:r>
-              <a:rPr kumimoji="1" lang="ja-JP" altLang="en-US" sz="2400" dirty="0" smtClean="0"/>
+              <a:rPr kumimoji="1" lang="ja-JP" altLang="en-US" sz="2400" dirty="0"/>
               <a:t>飛行機</a:t>
             </a:r>
-            <a:endParaRPr kumimoji="1" lang="ja-JP" altLang="en-US" sz="2400" dirty="0"/>
           </a:p>
         </p:txBody>
       </p:sp>
@@ -4041,10 +4013,9 @@
           <a:lstStyle/>
           <a:p>
             <a:r>
-              <a:rPr kumimoji="1" lang="ja-JP" altLang="en-US" sz="2400" dirty="0" smtClean="0"/>
+              <a:rPr kumimoji="1" lang="ja-JP" altLang="en-US" sz="2400" dirty="0"/>
               <a:t>隕石</a:t>
             </a:r>
-            <a:endParaRPr kumimoji="1" lang="ja-JP" altLang="en-US" sz="2400" dirty="0"/>
           </a:p>
         </p:txBody>
       </p:sp>
@@ -4104,10 +4075,9 @@
           <a:lstStyle/>
           <a:p>
             <a:r>
-              <a:rPr kumimoji="1" lang="ja-JP" altLang="en-US" sz="2400" dirty="0" smtClean="0"/>
+              <a:rPr kumimoji="1" lang="ja-JP" altLang="en-US" sz="2400" dirty="0"/>
               <a:t>ミサイル</a:t>
             </a:r>
-            <a:endParaRPr kumimoji="1" lang="ja-JP" altLang="en-US" sz="2400" dirty="0"/>
           </a:p>
         </p:txBody>
       </p:sp>
@@ -4144,13 +4114,6 @@
   <p:clrMapOvr>
     <a:masterClrMapping/>
   </p:clrMapOvr>
-  <p:timing>
-    <p:tnLst>
-      <p:par>
-        <p:cTn id="1" dur="indefinite" restart="never" nodeType="tmRoot"/>
-      </p:par>
-    </p:tnLst>
-  </p:timing>
 </p:sld>
 </file>
 
@@ -4189,27 +4152,23 @@
           <a:lstStyle/>
           <a:p>
             <a:r>
-              <a:rPr kumimoji="1" lang="ja-JP" altLang="en-US" sz="4000" dirty="0" smtClean="0"/>
+              <a:rPr kumimoji="1" lang="ja-JP" altLang="en-US" sz="4000" dirty="0"/>
               <a:t>プログラ</a:t>
             </a:r>
             <a:r>
-              <a:rPr lang="ja-JP" altLang="en-US" sz="4000" dirty="0" smtClean="0"/>
+              <a:rPr lang="ja-JP" altLang="en-US" sz="4000" dirty="0"/>
               <a:t>ム，</a:t>
             </a:r>
             <a:r>
-              <a:rPr kumimoji="1" lang="ja-JP" altLang="en-US" sz="4000" dirty="0" smtClean="0"/>
+              <a:rPr kumimoji="1" lang="ja-JP" altLang="en-US" sz="4000" dirty="0"/>
               <a:t>工夫した点</a:t>
             </a:r>
             <a:r>
-              <a:rPr lang="ja-JP" altLang="en-US" sz="4000" dirty="0" smtClean="0"/>
+              <a:rPr lang="ja-JP" altLang="en-US" sz="4000" dirty="0"/>
               <a:t>等</a:t>
             </a:r>
-            <a:r>
-              <a:rPr lang="en-US" altLang="ja-JP" sz="4000" dirty="0" smtClean="0"/>
-              <a:t/>
-            </a:r>
             <a:br>
-              <a:rPr lang="en-US" altLang="ja-JP" sz="4000" dirty="0" smtClean="0"/>
+              <a:rPr lang="en-US" altLang="ja-JP" sz="4000" dirty="0"/>
             </a:br>
             <a:endParaRPr kumimoji="1" lang="ja-JP" altLang="en-US" sz="4000" dirty="0"/>
           </a:p>
@@ -4233,20 +4192,20 @@
         </p:spPr>
         <p:txBody>
           <a:bodyPr>
-            <a:normAutofit fontScale="92500" lnSpcReduction="10000"/>
+            <a:normAutofit fontScale="92500"/>
           </a:bodyPr>
           <a:lstStyle/>
           <a:p>
             <a:r>
-              <a:rPr kumimoji="1" lang="ja-JP" altLang="en-US" dirty="0" smtClean="0"/>
+              <a:rPr kumimoji="1" lang="ja-JP" altLang="en-US" dirty="0"/>
               <a:t>プログラム</a:t>
             </a:r>
-            <a:endParaRPr kumimoji="1" lang="en-US" altLang="ja-JP" dirty="0" smtClean="0"/>
+            <a:endParaRPr kumimoji="1" lang="en-US" altLang="ja-JP" dirty="0"/>
           </a:p>
           <a:p>
             <a:pPr lvl="1"/>
             <a:r>
-              <a:rPr kumimoji="1" lang="ja-JP" altLang="en-US" dirty="0" smtClean="0"/>
+              <a:rPr kumimoji="1" lang="ja-JP" altLang="en-US" dirty="0"/>
               <a:t>言語：</a:t>
             </a:r>
             <a:r>
@@ -4254,62 +4213,58 @@
               <a:t>p</a:t>
             </a:r>
             <a:r>
-              <a:rPr kumimoji="1" lang="en-US" altLang="ja-JP" dirty="0" smtClean="0"/>
+              <a:rPr kumimoji="1" lang="en-US" altLang="ja-JP" dirty="0"/>
               <a:t>ython</a:t>
             </a:r>
           </a:p>
           <a:p>
             <a:pPr lvl="1"/>
             <a:r>
-              <a:rPr lang="ja-JP" altLang="en-US" dirty="0" smtClean="0"/>
-              <a:t>サイズ</a:t>
-            </a:r>
-            <a:r>
               <a:rPr lang="ja-JP" altLang="en-US" dirty="0"/>
-              <a:t>：</a:t>
-            </a:r>
-            <a:r>
-              <a:rPr kumimoji="1" lang="en-US" altLang="ja-JP" dirty="0" smtClean="0"/>
+              <a:t>サイズ：</a:t>
+            </a:r>
+            <a:r>
+              <a:rPr kumimoji="1" lang="en-US" altLang="ja-JP" dirty="0"/>
               <a:t>130</a:t>
             </a:r>
             <a:r>
-              <a:rPr kumimoji="1" lang="ja-JP" altLang="en-US" dirty="0" smtClean="0"/>
+              <a:rPr kumimoji="1" lang="ja-JP" altLang="en-US" dirty="0"/>
               <a:t>行</a:t>
             </a:r>
-            <a:endParaRPr kumimoji="1" lang="en-US" altLang="ja-JP" dirty="0" smtClean="0"/>
-          </a:p>
-          <a:p>
-            <a:r>
-              <a:rPr lang="ja-JP" altLang="en-US" dirty="0" smtClean="0"/>
+            <a:endParaRPr kumimoji="1" lang="en-US" altLang="ja-JP" dirty="0"/>
+          </a:p>
+          <a:p>
+            <a:r>
+              <a:rPr lang="ja-JP" altLang="en-US" dirty="0"/>
               <a:t>工夫した点</a:t>
             </a:r>
-            <a:endParaRPr lang="en-US" altLang="ja-JP" dirty="0" smtClean="0"/>
+            <a:endParaRPr lang="en-US" altLang="ja-JP" dirty="0"/>
           </a:p>
           <a:p>
             <a:pPr lvl="1"/>
             <a:r>
-              <a:rPr lang="ja-JP" altLang="en-US" dirty="0" smtClean="0"/>
+              <a:rPr lang="ja-JP" altLang="en-US" dirty="0"/>
               <a:t>オープニングでキーが押されたらゲームを開始して，飛行機が破壊されたらオープニングモードに戻るようにした</a:t>
             </a:r>
-            <a:endParaRPr lang="en-US" altLang="ja-JP" dirty="0" smtClean="0"/>
+            <a:endParaRPr lang="en-US" altLang="ja-JP" dirty="0"/>
           </a:p>
           <a:p>
             <a:pPr lvl="1"/>
             <a:r>
-              <a:rPr lang="ja-JP" altLang="en-US" dirty="0" smtClean="0"/>
+              <a:rPr lang="ja-JP" altLang="en-US" dirty="0"/>
               <a:t>どのモードかを表す変数</a:t>
             </a:r>
             <a:r>
-              <a:rPr lang="en-US" altLang="ja-JP" dirty="0" err="1" smtClean="0">
+              <a:rPr lang="en-US" altLang="ja-JP" dirty="0" err="1">
                 <a:latin typeface="Consolas" panose="020B0609020204030204" pitchFamily="49" charset="0"/>
               </a:rPr>
               <a:t>is_running</a:t>
             </a:r>
             <a:r>
-              <a:rPr lang="ja-JP" altLang="en-US" dirty="0" smtClean="0"/>
-              <a:t>を用いて，これを実現した</a:t>
-            </a:r>
-            <a:endParaRPr lang="en-US" altLang="ja-JP" dirty="0" smtClean="0"/>
+              <a:rPr lang="ja-JP" altLang="en-US" dirty="0"/>
+              <a:t>を用いて，実現した</a:t>
+            </a:r>
+            <a:endParaRPr lang="en-US" altLang="ja-JP" dirty="0"/>
           </a:p>
           <a:p>
             <a:pPr lvl="2"/>
@@ -4353,13 +4308,13 @@
           <a:lstStyle/>
           <a:p>
             <a:r>
-              <a:rPr lang="en-US" altLang="ja-JP" sz="1600" dirty="0" smtClean="0">
+              <a:rPr lang="en-US" altLang="ja-JP" sz="1600" dirty="0">
                 <a:latin typeface="Consolas" panose="020B0609020204030204" pitchFamily="49" charset="0"/>
               </a:rPr>
               <a:t> if </a:t>
             </a:r>
             <a:r>
-              <a:rPr lang="en-US" altLang="ja-JP" sz="1600" b="1" dirty="0" err="1" smtClean="0">
+              <a:rPr lang="en-US" altLang="ja-JP" sz="1600" b="1" dirty="0" err="1">
                 <a:solidFill>
                   <a:srgbClr val="FF0000"/>
                 </a:solidFill>
@@ -4368,7 +4323,7 @@
               <a:t>is_running</a:t>
             </a:r>
             <a:r>
-              <a:rPr lang="en-US" altLang="ja-JP" sz="1600" dirty="0" smtClean="0">
+              <a:rPr lang="en-US" altLang="ja-JP" sz="1600" dirty="0">
                 <a:latin typeface="Consolas" panose="020B0609020204030204" pitchFamily="49" charset="0"/>
               </a:rPr>
               <a:t> is False:</a:t>
@@ -4376,31 +4331,31 @@
           </a:p>
           <a:p>
             <a:r>
-              <a:rPr lang="en-US" altLang="ja-JP" sz="1600" dirty="0" smtClean="0">
+              <a:rPr lang="en-US" altLang="ja-JP" sz="1600" dirty="0">
                 <a:latin typeface="Consolas" panose="020B0609020204030204" pitchFamily="49" charset="0"/>
               </a:rPr>
               <a:t>        if </a:t>
             </a:r>
             <a:r>
-              <a:rPr lang="en-US" altLang="ja-JP" sz="1600" dirty="0" err="1" smtClean="0">
+              <a:rPr lang="en-US" altLang="ja-JP" sz="1600" dirty="0" err="1">
                 <a:latin typeface="Consolas" panose="020B0609020204030204" pitchFamily="49" charset="0"/>
               </a:rPr>
               <a:t>pyxel.btnp</a:t>
             </a:r>
             <a:r>
-              <a:rPr lang="en-US" altLang="ja-JP" sz="1600" dirty="0" smtClean="0">
+              <a:rPr lang="en-US" altLang="ja-JP" sz="1600" dirty="0">
                 <a:latin typeface="Consolas" panose="020B0609020204030204" pitchFamily="49" charset="0"/>
               </a:rPr>
               <a:t>(</a:t>
             </a:r>
             <a:r>
-              <a:rPr lang="en-US" altLang="ja-JP" sz="1600" dirty="0" err="1" smtClean="0">
+              <a:rPr lang="en-US" altLang="ja-JP" sz="1600" dirty="0" err="1">
                 <a:latin typeface="Consolas" panose="020B0609020204030204" pitchFamily="49" charset="0"/>
               </a:rPr>
               <a:t>pyxel.KEY_SPACE</a:t>
             </a:r>
             <a:r>
-              <a:rPr lang="en-US" altLang="ja-JP" sz="1600" dirty="0" smtClean="0">
+              <a:rPr lang="en-US" altLang="ja-JP" sz="1600" dirty="0">
                 <a:latin typeface="Consolas" panose="020B0609020204030204" pitchFamily="49" charset="0"/>
               </a:rPr>
               <a:t>):</a:t>
@@ -4408,13 +4363,13 @@
           </a:p>
           <a:p>
             <a:r>
-              <a:rPr lang="en-US" altLang="ja-JP" sz="1600" dirty="0" smtClean="0">
+              <a:rPr lang="en-US" altLang="ja-JP" sz="1600" dirty="0">
                 <a:latin typeface="Consolas" panose="020B0609020204030204" pitchFamily="49" charset="0"/>
               </a:rPr>
               <a:t>            </a:t>
             </a:r>
             <a:r>
-              <a:rPr lang="en-US" altLang="ja-JP" sz="1600" b="1" dirty="0" err="1" smtClean="0">
+              <a:rPr lang="en-US" altLang="ja-JP" sz="1600" b="1" dirty="0" err="1">
                 <a:solidFill>
                   <a:srgbClr val="FF0000"/>
                 </a:solidFill>
@@ -4423,7 +4378,7 @@
               <a:t>is_running</a:t>
             </a:r>
             <a:r>
-              <a:rPr lang="en-US" altLang="ja-JP" sz="1600" dirty="0" smtClean="0">
+              <a:rPr lang="en-US" altLang="ja-JP" sz="1600" dirty="0">
                 <a:latin typeface="Consolas" panose="020B0609020204030204" pitchFamily="49" charset="0"/>
               </a:rPr>
               <a:t> = True</a:t>
@@ -4431,19 +4386,19 @@
           </a:p>
           <a:p>
             <a:r>
-              <a:rPr lang="en-US" altLang="ja-JP" sz="1600" dirty="0" smtClean="0">
+              <a:rPr lang="en-US" altLang="ja-JP" sz="1600" dirty="0">
                 <a:latin typeface="Consolas" panose="020B0609020204030204" pitchFamily="49" charset="0"/>
               </a:rPr>
               <a:t>            </a:t>
             </a:r>
             <a:r>
-              <a:rPr lang="en-US" altLang="ja-JP" sz="1600" dirty="0" err="1" smtClean="0">
+              <a:rPr lang="en-US" altLang="ja-JP" sz="1600" dirty="0" err="1">
                 <a:latin typeface="Consolas" panose="020B0609020204030204" pitchFamily="49" charset="0"/>
               </a:rPr>
               <a:t>meteos</a:t>
             </a:r>
             <a:r>
-              <a:rPr lang="en-US" altLang="ja-JP" sz="1600" dirty="0" smtClean="0">
+              <a:rPr lang="en-US" altLang="ja-JP" sz="1600" dirty="0">
                 <a:latin typeface="Consolas" panose="020B0609020204030204" pitchFamily="49" charset="0"/>
               </a:rPr>
               <a:t> = []</a:t>
@@ -4451,7 +4406,7 @@
           </a:p>
           <a:p>
             <a:r>
-              <a:rPr lang="en-US" altLang="ja-JP" sz="1600" dirty="0" smtClean="0">
+              <a:rPr lang="en-US" altLang="ja-JP" sz="1600" dirty="0">
                 <a:latin typeface="Consolas" panose="020B0609020204030204" pitchFamily="49" charset="0"/>
               </a:rPr>
               <a:t>            plane = Plane()</a:t>
@@ -4459,7 +4414,7 @@
           </a:p>
           <a:p>
             <a:r>
-              <a:rPr lang="en-US" altLang="ja-JP" sz="1600" dirty="0" smtClean="0">
+              <a:rPr lang="en-US" altLang="ja-JP" sz="1600" dirty="0">
                 <a:latin typeface="Consolas" panose="020B0609020204030204" pitchFamily="49" charset="0"/>
               </a:rPr>
               <a:t>        return</a:t>
@@ -4493,18 +4448,18 @@
           <a:lstStyle/>
           <a:p>
             <a:r>
-              <a:rPr lang="en-US" altLang="ja-JP" b="1" dirty="0" smtClean="0"/>
+              <a:rPr lang="en-US" altLang="ja-JP" b="1" dirty="0"/>
               <a:t>1</a:t>
             </a:r>
             <a:r>
-              <a:rPr lang="en-US" altLang="ja-JP" dirty="0" smtClean="0"/>
+              <a:rPr lang="en-US" altLang="ja-JP" dirty="0"/>
               <a:t> </a:t>
             </a:r>
             <a:r>
-              <a:rPr lang="ja-JP" altLang="en-US" dirty="0" smtClean="0"/>
+              <a:rPr lang="ja-JP" altLang="en-US" dirty="0"/>
               <a:t>オープニングモードでは，</a:t>
             </a:r>
-            <a:endParaRPr lang="en-US" altLang="ja-JP" dirty="0" smtClean="0"/>
+            <a:endParaRPr lang="en-US" altLang="ja-JP" dirty="0"/>
           </a:p>
           <a:p>
             <a:r>
@@ -4512,36 +4467,35 @@
               <a:t>2</a:t>
             </a:r>
             <a:r>
-              <a:rPr lang="ja-JP" altLang="en-US" dirty="0" smtClean="0"/>
+              <a:rPr lang="ja-JP" altLang="en-US" dirty="0"/>
               <a:t> スペースキーが押されたら</a:t>
             </a:r>
-            <a:endParaRPr lang="en-US" altLang="ja-JP" dirty="0" smtClean="0"/>
-          </a:p>
-          <a:p>
-            <a:r>
-              <a:rPr lang="en-US" altLang="ja-JP" b="1" dirty="0" smtClean="0"/>
+            <a:endParaRPr lang="en-US" altLang="ja-JP" dirty="0"/>
+          </a:p>
+          <a:p>
+            <a:r>
+              <a:rPr lang="en-US" altLang="ja-JP" b="1" dirty="0"/>
               <a:t>3</a:t>
             </a:r>
             <a:r>
-              <a:rPr lang="ja-JP" altLang="en-US" dirty="0" smtClean="0"/>
+              <a:rPr lang="ja-JP" altLang="en-US" dirty="0"/>
               <a:t> ゲームモードに遷移</a:t>
             </a:r>
-            <a:endParaRPr lang="en-US" altLang="ja-JP" dirty="0" smtClean="0"/>
-          </a:p>
-          <a:p>
-            <a:r>
-              <a:rPr lang="en-US" altLang="ja-JP" b="1" dirty="0" smtClean="0"/>
+            <a:endParaRPr lang="en-US" altLang="ja-JP" dirty="0"/>
+          </a:p>
+          <a:p>
+            <a:r>
+              <a:rPr lang="en-US" altLang="ja-JP" b="1" dirty="0"/>
               <a:t>4</a:t>
             </a:r>
             <a:r>
-              <a:rPr lang="en-US" altLang="ja-JP" dirty="0" smtClean="0"/>
+              <a:rPr lang="en-US" altLang="ja-JP" dirty="0"/>
               <a:t> </a:t>
             </a:r>
             <a:r>
-              <a:rPr kumimoji="1" lang="ja-JP" altLang="en-US" dirty="0" smtClean="0"/>
+              <a:rPr kumimoji="1" lang="ja-JP" altLang="en-US" dirty="0"/>
               <a:t>押されなかったら，何もしない</a:t>
             </a:r>
-            <a:endParaRPr kumimoji="1" lang="ja-JP" altLang="en-US" dirty="0"/>
           </a:p>
         </p:txBody>
       </p:sp>
@@ -4605,10 +4559,9 @@
           <a:lstStyle/>
           <a:p>
             <a:r>
-              <a:rPr lang="ja-JP" altLang="en-US" sz="2000" dirty="0" smtClean="0"/>
+              <a:rPr lang="ja-JP" altLang="en-US" sz="2000" dirty="0"/>
               <a:t>オープニングモード</a:t>
             </a:r>
-            <a:endParaRPr lang="ja-JP" altLang="en-US" sz="2000" dirty="0"/>
           </a:p>
         </p:txBody>
       </p:sp>
@@ -4655,7 +4608,7 @@
           <a:p>
             <a:pPr algn="ctr"/>
             <a:r>
-              <a:rPr kumimoji="1" lang="en-US" altLang="ja-JP" b="1" dirty="0" smtClean="0"/>
+              <a:rPr kumimoji="1" lang="en-US" altLang="ja-JP" b="1" dirty="0"/>
               <a:t>1</a:t>
             </a:r>
             <a:endParaRPr kumimoji="1" lang="ja-JP" altLang="en-US" b="1" dirty="0"/>
@@ -4705,7 +4658,7 @@
           <a:p>
             <a:pPr algn="ctr"/>
             <a:r>
-              <a:rPr kumimoji="1" lang="en-US" altLang="ja-JP" b="1" dirty="0" smtClean="0"/>
+              <a:rPr kumimoji="1" lang="en-US" altLang="ja-JP" b="1" dirty="0"/>
               <a:t>2</a:t>
             </a:r>
             <a:endParaRPr kumimoji="1" lang="ja-JP" altLang="en-US" b="1" dirty="0"/>
@@ -4755,7 +4708,7 @@
           <a:p>
             <a:pPr algn="ctr"/>
             <a:r>
-              <a:rPr kumimoji="1" lang="en-US" altLang="ja-JP" b="1" dirty="0" smtClean="0"/>
+              <a:rPr kumimoji="1" lang="en-US" altLang="ja-JP" b="1" dirty="0"/>
               <a:t>3</a:t>
             </a:r>
             <a:endParaRPr kumimoji="1" lang="ja-JP" altLang="en-US" b="1" dirty="0"/>
@@ -4805,7 +4758,7 @@
           <a:p>
             <a:pPr algn="ctr"/>
             <a:r>
-              <a:rPr kumimoji="1" lang="en-US" altLang="ja-JP" b="1" dirty="0" smtClean="0"/>
+              <a:rPr kumimoji="1" lang="en-US" altLang="ja-JP" b="1" dirty="0"/>
               <a:t>4</a:t>
             </a:r>
             <a:endParaRPr kumimoji="1" lang="ja-JP" altLang="en-US" b="1" dirty="0"/>
@@ -4845,13 +4798,6 @@
   <p:clrMapOvr>
     <a:masterClrMapping/>
   </p:clrMapOvr>
-  <p:timing>
-    <p:tnLst>
-      <p:par>
-        <p:cTn id="1" dur="indefinite" restart="never" nodeType="tmRoot"/>
-      </p:par>
-    </p:tnLst>
-  </p:timing>
 </p:sld>
 </file>
 
